--- a/Chrome/private/icon.pptx
+++ b/Chrome/private/icon.pptx
@@ -263,7 +263,7 @@
           <a:p>
             <a:fld id="{432527A5-50EE-4D31-9088-CC0AF8F371C1}" type="datetimeFigureOut">
               <a:rPr lang="en-GB" smtClean="0"/>
-              <a:t>01/07/2021</a:t>
+              <a:t>08/10/2021</a:t>
             </a:fld>
             <a:endParaRPr lang="en-GB"/>
           </a:p>
@@ -463,7 +463,7 @@
           <a:p>
             <a:fld id="{432527A5-50EE-4D31-9088-CC0AF8F371C1}" type="datetimeFigureOut">
               <a:rPr lang="en-GB" smtClean="0"/>
-              <a:t>01/07/2021</a:t>
+              <a:t>08/10/2021</a:t>
             </a:fld>
             <a:endParaRPr lang="en-GB"/>
           </a:p>
@@ -673,7 +673,7 @@
           <a:p>
             <a:fld id="{432527A5-50EE-4D31-9088-CC0AF8F371C1}" type="datetimeFigureOut">
               <a:rPr lang="en-GB" smtClean="0"/>
-              <a:t>01/07/2021</a:t>
+              <a:t>08/10/2021</a:t>
             </a:fld>
             <a:endParaRPr lang="en-GB"/>
           </a:p>
@@ -873,7 +873,7 @@
           <a:p>
             <a:fld id="{432527A5-50EE-4D31-9088-CC0AF8F371C1}" type="datetimeFigureOut">
               <a:rPr lang="en-GB" smtClean="0"/>
-              <a:t>01/07/2021</a:t>
+              <a:t>08/10/2021</a:t>
             </a:fld>
             <a:endParaRPr lang="en-GB"/>
           </a:p>
@@ -1149,7 +1149,7 @@
           <a:p>
             <a:fld id="{432527A5-50EE-4D31-9088-CC0AF8F371C1}" type="datetimeFigureOut">
               <a:rPr lang="en-GB" smtClean="0"/>
-              <a:t>01/07/2021</a:t>
+              <a:t>08/10/2021</a:t>
             </a:fld>
             <a:endParaRPr lang="en-GB"/>
           </a:p>
@@ -1417,7 +1417,7 @@
           <a:p>
             <a:fld id="{432527A5-50EE-4D31-9088-CC0AF8F371C1}" type="datetimeFigureOut">
               <a:rPr lang="en-GB" smtClean="0"/>
-              <a:t>01/07/2021</a:t>
+              <a:t>08/10/2021</a:t>
             </a:fld>
             <a:endParaRPr lang="en-GB"/>
           </a:p>
@@ -1832,7 +1832,7 @@
           <a:p>
             <a:fld id="{432527A5-50EE-4D31-9088-CC0AF8F371C1}" type="datetimeFigureOut">
               <a:rPr lang="en-GB" smtClean="0"/>
-              <a:t>01/07/2021</a:t>
+              <a:t>08/10/2021</a:t>
             </a:fld>
             <a:endParaRPr lang="en-GB"/>
           </a:p>
@@ -1974,7 +1974,7 @@
           <a:p>
             <a:fld id="{432527A5-50EE-4D31-9088-CC0AF8F371C1}" type="datetimeFigureOut">
               <a:rPr lang="en-GB" smtClean="0"/>
-              <a:t>01/07/2021</a:t>
+              <a:t>08/10/2021</a:t>
             </a:fld>
             <a:endParaRPr lang="en-GB"/>
           </a:p>
@@ -2087,7 +2087,7 @@
           <a:p>
             <a:fld id="{432527A5-50EE-4D31-9088-CC0AF8F371C1}" type="datetimeFigureOut">
               <a:rPr lang="en-GB" smtClean="0"/>
-              <a:t>01/07/2021</a:t>
+              <a:t>08/10/2021</a:t>
             </a:fld>
             <a:endParaRPr lang="en-GB"/>
           </a:p>
@@ -2400,7 +2400,7 @@
           <a:p>
             <a:fld id="{432527A5-50EE-4D31-9088-CC0AF8F371C1}" type="datetimeFigureOut">
               <a:rPr lang="en-GB" smtClean="0"/>
-              <a:t>01/07/2021</a:t>
+              <a:t>08/10/2021</a:t>
             </a:fld>
             <a:endParaRPr lang="en-GB"/>
           </a:p>
@@ -2693,7 +2693,7 @@
           <a:p>
             <a:fld id="{432527A5-50EE-4D31-9088-CC0AF8F371C1}" type="datetimeFigureOut">
               <a:rPr lang="en-GB" smtClean="0"/>
-              <a:t>01/07/2021</a:t>
+              <a:t>08/10/2021</a:t>
             </a:fld>
             <a:endParaRPr lang="en-GB"/>
           </a:p>
@@ -2936,7 +2936,7 @@
           <a:p>
             <a:fld id="{432527A5-50EE-4D31-9088-CC0AF8F371C1}" type="datetimeFigureOut">
               <a:rPr lang="en-GB" smtClean="0"/>
-              <a:t>01/07/2021</a:t>
+              <a:t>08/10/2021</a:t>
             </a:fld>
             <a:endParaRPr lang="en-GB"/>
           </a:p>
@@ -3604,7 +3604,7 @@
         </p:blipFill>
         <p:spPr>
           <a:xfrm>
-            <a:off x="2627313" y="1160463"/>
+            <a:off x="4645026" y="987935"/>
             <a:ext cx="1450974" cy="1450974"/>
           </a:xfrm>
           <a:prstGeom prst="rect">
@@ -3650,7 +3650,7 @@
         </p:blipFill>
         <p:spPr>
           <a:xfrm>
-            <a:off x="8591277" y="799827"/>
+            <a:off x="9051675" y="679057"/>
             <a:ext cx="1448346" cy="1448346"/>
           </a:xfrm>
           <a:prstGeom prst="rect">
